--- a/LLaVA_Adam_Hooker.pptx
+++ b/LLaVA_Adam_Hooker.pptx
@@ -220,7 +220,7 @@
           <a:p>
             <a:fld id="{1C6BC886-98D7-4099-9575-176C7AE6FBF3}" type="datetimeFigureOut">
               <a:rPr lang="en-US" smtClean="0"/>
-              <a:t>3/27/2024</a:t>
+              <a:t>5/7/2024</a:t>
             </a:fld>
             <a:endParaRPr lang="en-US"/>
           </a:p>
@@ -1789,7 +1789,7 @@
           <a:p>
             <a:fld id="{AABBA796-BEC2-4A5F-9C57-B38A6F3E6D7F}" type="datetimeFigureOut">
               <a:rPr lang="en-US" smtClean="0"/>
-              <a:t>3/27/2024</a:t>
+              <a:t>5/7/2024</a:t>
             </a:fld>
             <a:endParaRPr lang="en-US"/>
           </a:p>
@@ -1987,7 +1987,7 @@
           <a:p>
             <a:fld id="{AABBA796-BEC2-4A5F-9C57-B38A6F3E6D7F}" type="datetimeFigureOut">
               <a:rPr lang="en-US" smtClean="0"/>
-              <a:t>3/27/2024</a:t>
+              <a:t>5/7/2024</a:t>
             </a:fld>
             <a:endParaRPr lang="en-US"/>
           </a:p>
@@ -2195,7 +2195,7 @@
           <a:p>
             <a:fld id="{AABBA796-BEC2-4A5F-9C57-B38A6F3E6D7F}" type="datetimeFigureOut">
               <a:rPr lang="en-US" smtClean="0"/>
-              <a:t>3/27/2024</a:t>
+              <a:t>5/7/2024</a:t>
             </a:fld>
             <a:endParaRPr lang="en-US"/>
           </a:p>
@@ -2393,7 +2393,7 @@
           <a:p>
             <a:fld id="{AABBA796-BEC2-4A5F-9C57-B38A6F3E6D7F}" type="datetimeFigureOut">
               <a:rPr lang="en-US" smtClean="0"/>
-              <a:t>3/27/2024</a:t>
+              <a:t>5/7/2024</a:t>
             </a:fld>
             <a:endParaRPr lang="en-US"/>
           </a:p>
@@ -2668,7 +2668,7 @@
           <a:p>
             <a:fld id="{AABBA796-BEC2-4A5F-9C57-B38A6F3E6D7F}" type="datetimeFigureOut">
               <a:rPr lang="en-US" smtClean="0"/>
-              <a:t>3/27/2024</a:t>
+              <a:t>5/7/2024</a:t>
             </a:fld>
             <a:endParaRPr lang="en-US"/>
           </a:p>
@@ -2933,7 +2933,7 @@
           <a:p>
             <a:fld id="{AABBA796-BEC2-4A5F-9C57-B38A6F3E6D7F}" type="datetimeFigureOut">
               <a:rPr lang="en-US" smtClean="0"/>
-              <a:t>3/27/2024</a:t>
+              <a:t>5/7/2024</a:t>
             </a:fld>
             <a:endParaRPr lang="en-US"/>
           </a:p>
@@ -3345,7 +3345,7 @@
           <a:p>
             <a:fld id="{AABBA796-BEC2-4A5F-9C57-B38A6F3E6D7F}" type="datetimeFigureOut">
               <a:rPr lang="en-US" smtClean="0"/>
-              <a:t>3/27/2024</a:t>
+              <a:t>5/7/2024</a:t>
             </a:fld>
             <a:endParaRPr lang="en-US"/>
           </a:p>
@@ -3486,7 +3486,7 @@
           <a:p>
             <a:fld id="{AABBA796-BEC2-4A5F-9C57-B38A6F3E6D7F}" type="datetimeFigureOut">
               <a:rPr lang="en-US" smtClean="0"/>
-              <a:t>3/27/2024</a:t>
+              <a:t>5/7/2024</a:t>
             </a:fld>
             <a:endParaRPr lang="en-US"/>
           </a:p>
@@ -3599,7 +3599,7 @@
           <a:p>
             <a:fld id="{AABBA796-BEC2-4A5F-9C57-B38A6F3E6D7F}" type="datetimeFigureOut">
               <a:rPr lang="en-US" smtClean="0"/>
-              <a:t>3/27/2024</a:t>
+              <a:t>5/7/2024</a:t>
             </a:fld>
             <a:endParaRPr lang="en-US"/>
           </a:p>
@@ -3910,7 +3910,7 @@
           <a:p>
             <a:fld id="{AABBA796-BEC2-4A5F-9C57-B38A6F3E6D7F}" type="datetimeFigureOut">
               <a:rPr lang="en-US" smtClean="0"/>
-              <a:t>3/27/2024</a:t>
+              <a:t>5/7/2024</a:t>
             </a:fld>
             <a:endParaRPr lang="en-US"/>
           </a:p>
@@ -4198,7 +4198,7 @@
           <a:p>
             <a:fld id="{AABBA796-BEC2-4A5F-9C57-B38A6F3E6D7F}" type="datetimeFigureOut">
               <a:rPr lang="en-US" smtClean="0"/>
-              <a:t>3/27/2024</a:t>
+              <a:t>5/7/2024</a:t>
             </a:fld>
             <a:endParaRPr lang="en-US"/>
           </a:p>
@@ -4439,7 +4439,7 @@
           <a:p>
             <a:fld id="{AABBA796-BEC2-4A5F-9C57-B38A6F3E6D7F}" type="datetimeFigureOut">
               <a:rPr lang="en-US" smtClean="0"/>
-              <a:t>3/27/2024</a:t>
+              <a:t>5/7/2024</a:t>
             </a:fld>
             <a:endParaRPr lang="en-US"/>
           </a:p>
@@ -18086,13 +18086,13 @@
   <p:clrMapOvr>
     <a:masterClrMapping/>
   </p:clrMapOvr>
-  <mc:AlternateContent xmlns:mc="http://schemas.openxmlformats.org/markup-compatibility/2006">
-    <mc:Choice xmlns:p159="http://schemas.microsoft.com/office/powerpoint/2015/09/main" Requires="p159">
+  <mc:AlternateContent xmlns:mc="http://schemas.openxmlformats.org/markup-compatibility/2006" xmlns:p159="http://schemas.microsoft.com/office/powerpoint/2015/09/main">
+    <mc:Choice Requires="p159">
       <p:transition xmlns:p14="http://schemas.microsoft.com/office/powerpoint/2010/main" spd="slow" p14:dur="2000">
         <p159:morph option="byObject"/>
       </p:transition>
     </mc:Choice>
-    <mc:Fallback>
+    <mc:Fallback xmlns="">
       <p:transition spd="slow">
         <p:fade/>
       </p:transition>
@@ -19883,8 +19883,8 @@
         </p:blipFill>
         <p:spPr>
           <a:xfrm>
-            <a:off x="1425518" y="1642660"/>
-            <a:ext cx="1995103" cy="1956021"/>
+            <a:off x="1425518" y="1564858"/>
+            <a:ext cx="2074460" cy="2033823"/>
           </a:xfrm>
           <a:prstGeom prst="rect">
             <a:avLst/>
